--- a/Presentation - Wireless Networks (1).pptx
+++ b/Presentation - Wireless Networks (1).pptx
@@ -8150,14 +8150,7 @@
                 <a:latin typeface="Times New Roman" panose="02020603050405020304" pitchFamily="18" charset="0"/>
                 <a:cs typeface="Times New Roman" panose="02020603050405020304" pitchFamily="18" charset="0"/>
               </a:rPr>
-              <a:t>Emergency response and disaster management networ</a:t>
-            </a:r>
-            <a:r>
-              <a:rPr lang="en-SG" dirty="0">
-                <a:latin typeface="Times New Roman" panose="02020603050405020304" pitchFamily="18" charset="0"/>
-                <a:cs typeface="Times New Roman" panose="02020603050405020304" pitchFamily="18" charset="0"/>
-              </a:rPr>
-              <a:t>ks</a:t>
+              <a:t>Emergency response and disaster management networks</a:t>
             </a:r>
           </a:p>
         </p:txBody>
